--- a/src/_ppt/ch21.pptx
+++ b/src/_ppt/ch21.pptx
@@ -8,16 +8,21 @@
     <p:sldMasterId id="2147483662" r:id="rId4"/>
   </p:sldMasterIdLst>
   <p:notesMasterIdLst>
-    <p:notesMasterId r:id="rId9"/>
+    <p:notesMasterId r:id="rId14"/>
   </p:notesMasterIdLst>
   <p:handoutMasterIdLst>
-    <p:handoutMasterId r:id="rId10"/>
+    <p:handoutMasterId r:id="rId15"/>
   </p:handoutMasterIdLst>
   <p:sldIdLst>
     <p:sldId id="258" r:id="rId5"/>
     <p:sldId id="538" r:id="rId6"/>
-    <p:sldId id="537" r:id="rId7"/>
-    <p:sldId id="313" r:id="rId8"/>
+    <p:sldId id="539" r:id="rId7"/>
+    <p:sldId id="540" r:id="rId8"/>
+    <p:sldId id="537" r:id="rId9"/>
+    <p:sldId id="542" r:id="rId10"/>
+    <p:sldId id="541" r:id="rId11"/>
+    <p:sldId id="543" r:id="rId12"/>
+    <p:sldId id="313" r:id="rId13"/>
   </p:sldIdLst>
   <p:sldSz cx="9144000" cy="6858000" type="screen4x3"/>
   <p:notesSz cx="6858000" cy="9144000"/>
@@ -238,7 +243,7 @@
                 <a:ea typeface="Rix고딕 EB" pitchFamily="18" charset="-127"/>
               </a:rPr>
               <a:pPr/>
-              <a:t>2014-09-18</a:t>
+              <a:t>2014-09-19</a:t>
             </a:fld>
             <a:endParaRPr lang="ko-KR" altLang="en-US" dirty="0">
               <a:latin typeface="Rix고딕 EB" pitchFamily="18" charset="-127"/>
@@ -424,7 +429,7 @@
             <a:fld id="{BC005E11-9FC4-4559-BF01-B81AA1525F34}" type="datetimeFigureOut">
               <a:rPr lang="ko-KR" altLang="en-US" smtClean="0"/>
               <a:pPr/>
-              <a:t>2014-09-18</a:t>
+              <a:t>2014-09-19</a:t>
             </a:fld>
             <a:endParaRPr lang="ko-KR" altLang="en-US" dirty="0"/>
           </a:p>
@@ -853,7 +858,7 @@
             <a:fld id="{E298BA0C-7778-40CB-9F43-9459B3FAC40D}" type="slidenum">
               <a:rPr lang="ko-KR" altLang="en-US" smtClean="0"/>
               <a:pPr/>
-              <a:t>4</a:t>
+              <a:t>9</a:t>
             </a:fld>
             <a:endParaRPr lang="ko-KR" altLang="en-US" dirty="0"/>
           </a:p>
@@ -1135,7 +1140,7 @@
             <a:fld id="{4C2E467A-9B32-4DD2-8AB7-D952F3A1471E}" type="datetimeFigureOut">
               <a:rPr lang="ko-KR" altLang="en-US" smtClean="0"/>
               <a:pPr/>
-              <a:t>2014-09-18</a:t>
+              <a:t>2014-09-19</a:t>
             </a:fld>
             <a:endParaRPr lang="ko-KR" altLang="en-US"/>
           </a:p>
@@ -3711,10 +3716,6 @@
               </a:rPr>
               <a:t>2014-09</a:t>
             </a:r>
-            <a:endParaRPr lang="en-US" altLang="ko-KR" sz="1200" b="1" spc="-20" dirty="0" smtClean="0">
-              <a:latin typeface="맑은 고딕" panose="020B0503020000020004" pitchFamily="50" charset="-127"/>
-              <a:ea typeface="맑은 고딕" panose="020B0503020000020004" pitchFamily="50" charset="-127"/>
-            </a:endParaRPr>
           </a:p>
           <a:p>
             <a:pPr>
@@ -3843,7 +3844,7 @@
             </a:r>
             <a:r>
               <a:rPr lang="ko-KR" altLang="en-US" dirty="0" smtClean="0"/>
-              <a:t>패턴</a:t>
+              <a:t>패턴이란</a:t>
             </a:r>
             <a:endParaRPr lang="ko-KR" altLang="en-US" dirty="0"/>
           </a:p>
@@ -3872,7 +3873,7 @@
         </p:blipFill>
         <p:spPr bwMode="auto">
           <a:xfrm>
-            <a:off x="3779912" y="2979657"/>
+            <a:off x="4067944" y="3645024"/>
             <a:ext cx="4540176" cy="2578181"/>
           </a:xfrm>
           <a:prstGeom prst="rect">
@@ -3899,7 +3900,7 @@
         <p:spPr>
           <a:xfrm>
             <a:off x="611560" y="1196752"/>
-            <a:ext cx="7848872" cy="369332"/>
+            <a:ext cx="7848872" cy="646331"/>
           </a:xfrm>
           <a:prstGeom prst="rect">
             <a:avLst/>
@@ -3913,18 +3914,9 @@
           <a:lstStyle/>
           <a:p>
             <a:r>
-              <a:rPr lang="en-US" altLang="ko-KR" dirty="0" smtClean="0"/>
-              <a:t>Proxy : </a:t>
-            </a:r>
-            <a:r>
-              <a:rPr lang="ko-KR" altLang="en-US" dirty="0" smtClean="0"/>
-              <a:t>다른 무언가와 이어지는 인터페이스의 역할을 하는 클래스</a:t>
-            </a:r>
-            <a:r>
-              <a:rPr lang="en-US" altLang="ko-KR" dirty="0" smtClean="0"/>
-              <a:t>.</a:t>
-            </a:r>
-            <a:endParaRPr lang="ko-KR" altLang="en-US" dirty="0"/>
+              <a:rPr lang="ko-KR" altLang="en-US" dirty="0"/>
+              <a:t>어떤 객체에 대한 접근을 제어하기 위한 용도로 대리인이나 대변인에 해당하는 객체를 제공하는 패턴</a:t>
+            </a:r>
           </a:p>
         </p:txBody>
       </p:sp>
@@ -4002,7 +3994,11 @@
           <a:p>
             <a:r>
               <a:rPr lang="en-US" altLang="ko-KR" dirty="0" smtClean="0"/>
-              <a:t>$Title</a:t>
+              <a:t>Proxy </a:t>
+            </a:r>
+            <a:r>
+              <a:rPr lang="ko-KR" altLang="en-US" dirty="0" smtClean="0"/>
+              <a:t>패턴의 등장인물</a:t>
             </a:r>
             <a:endParaRPr lang="ko-KR" altLang="en-US" dirty="0"/>
           </a:p>
@@ -4031,7 +4027,7 @@
         </p:blipFill>
         <p:spPr bwMode="auto">
           <a:xfrm>
-            <a:off x="3779912" y="2979657"/>
+            <a:off x="4067944" y="3645024"/>
             <a:ext cx="4540176" cy="2578181"/>
           </a:xfrm>
           <a:prstGeom prst="rect">
@@ -4049,6 +4045,591 @@
           </a:extLst>
         </p:spPr>
       </p:pic>
+      <p:sp>
+        <p:nvSpPr>
+          <p:cNvPr id="2" name="TextBox 1"/>
+          <p:cNvSpPr txBox="1"/>
+          <p:nvPr/>
+        </p:nvSpPr>
+        <p:spPr>
+          <a:xfrm>
+            <a:off x="611560" y="1196752"/>
+            <a:ext cx="7848872" cy="3416320"/>
+          </a:xfrm>
+          <a:prstGeom prst="rect">
+            <a:avLst/>
+          </a:prstGeom>
+          <a:noFill/>
+        </p:spPr>
+        <p:txBody>
+          <a:bodyPr wrap="square" rtlCol="0">
+            <a:spAutoFit/>
+          </a:bodyPr>
+          <a:lstStyle/>
+          <a:p>
+            <a:pPr marL="285750" indent="-285750">
+              <a:lnSpc>
+                <a:spcPct val="150000"/>
+              </a:lnSpc>
+              <a:buFont typeface="Arial" panose="020B0604020202020204" pitchFamily="34" charset="0"/>
+              <a:buChar char="•"/>
+            </a:pPr>
+            <a:r>
+              <a:rPr lang="en-US" altLang="ko-KR" dirty="0" smtClean="0"/>
+              <a:t>Subject : Proxy </a:t>
+            </a:r>
+            <a:r>
+              <a:rPr lang="ko-KR" altLang="en-US" dirty="0" smtClean="0"/>
+              <a:t>역할과 </a:t>
+            </a:r>
+            <a:r>
+              <a:rPr lang="en-US" altLang="ko-KR" dirty="0" err="1" smtClean="0"/>
+              <a:t>RealSubject</a:t>
+            </a:r>
+            <a:r>
+              <a:rPr lang="en-US" altLang="ko-KR" dirty="0" smtClean="0"/>
+              <a:t> </a:t>
+            </a:r>
+            <a:r>
+              <a:rPr lang="ko-KR" altLang="en-US" dirty="0" smtClean="0"/>
+              <a:t>역할을 동일시 하기 위한 인터페이스</a:t>
+            </a:r>
+            <a:endParaRPr lang="en-US" altLang="ko-KR" dirty="0" smtClean="0"/>
+          </a:p>
+          <a:p>
+            <a:pPr marL="285750" indent="-285750">
+              <a:lnSpc>
+                <a:spcPct val="150000"/>
+              </a:lnSpc>
+              <a:buFont typeface="Arial" panose="020B0604020202020204" pitchFamily="34" charset="0"/>
+              <a:buChar char="•"/>
+            </a:pPr>
+            <a:r>
+              <a:rPr lang="en-US" altLang="ko-KR" dirty="0" smtClean="0"/>
+              <a:t>Proxy : Client</a:t>
+            </a:r>
+            <a:r>
+              <a:rPr lang="ko-KR" altLang="en-US" dirty="0" smtClean="0"/>
+              <a:t>의 요구를 할 수 있는 만큼 처리하고</a:t>
+            </a:r>
+            <a:r>
+              <a:rPr lang="en-US" altLang="ko-KR" dirty="0" smtClean="0"/>
+              <a:t>, </a:t>
+            </a:r>
+            <a:r>
+              <a:rPr lang="ko-KR" altLang="en-US" dirty="0" smtClean="0"/>
+              <a:t>처리할 수 없으면 </a:t>
+            </a:r>
+            <a:r>
+              <a:rPr lang="en-US" altLang="ko-KR" dirty="0" err="1" smtClean="0"/>
+              <a:t>RealSubject</a:t>
+            </a:r>
+            <a:r>
+              <a:rPr lang="en-US" altLang="ko-KR" dirty="0" smtClean="0"/>
+              <a:t> </a:t>
+            </a:r>
+            <a:r>
+              <a:rPr lang="ko-KR" altLang="en-US" dirty="0" smtClean="0"/>
+              <a:t>역할에게 처리를 맡긴다</a:t>
+            </a:r>
+            <a:r>
+              <a:rPr lang="en-US" altLang="ko-KR" dirty="0" smtClean="0"/>
+              <a:t>. </a:t>
+            </a:r>
+            <a:r>
+              <a:rPr lang="en-US" altLang="ko-KR" dirty="0" err="1" smtClean="0"/>
+              <a:t>RealSubject</a:t>
+            </a:r>
+            <a:r>
+              <a:rPr lang="ko-KR" altLang="en-US" dirty="0" smtClean="0"/>
+              <a:t> 역할이 필요할 때 생성</a:t>
+            </a:r>
+            <a:endParaRPr lang="en-US" altLang="ko-KR" dirty="0" smtClean="0"/>
+          </a:p>
+          <a:p>
+            <a:pPr marL="285750" indent="-285750">
+              <a:lnSpc>
+                <a:spcPct val="150000"/>
+              </a:lnSpc>
+              <a:buFont typeface="Arial" panose="020B0604020202020204" pitchFamily="34" charset="0"/>
+              <a:buChar char="•"/>
+            </a:pPr>
+            <a:r>
+              <a:rPr lang="en-US" altLang="ko-KR" dirty="0" err="1" smtClean="0"/>
+              <a:t>RealSubject</a:t>
+            </a:r>
+            <a:r>
+              <a:rPr lang="en-US" altLang="ko-KR" dirty="0" smtClean="0"/>
+              <a:t> : Proxy</a:t>
+            </a:r>
+            <a:r>
+              <a:rPr lang="ko-KR" altLang="en-US" dirty="0" smtClean="0"/>
+              <a:t>가 감당할 수 없는 요청이 발생했을 때 등장하는 처리의 주체</a:t>
+            </a:r>
+            <a:endParaRPr lang="en-US" altLang="ko-KR" dirty="0" smtClean="0"/>
+          </a:p>
+          <a:p>
+            <a:pPr marL="285750" indent="-285750">
+              <a:lnSpc>
+                <a:spcPct val="150000"/>
+              </a:lnSpc>
+              <a:buFont typeface="Arial" panose="020B0604020202020204" pitchFamily="34" charset="0"/>
+              <a:buChar char="•"/>
+            </a:pPr>
+            <a:endParaRPr lang="en-US" altLang="ko-KR" dirty="0" smtClean="0"/>
+          </a:p>
+          <a:p>
+            <a:pPr marL="285750" indent="-285750">
+              <a:lnSpc>
+                <a:spcPct val="150000"/>
+              </a:lnSpc>
+              <a:buFont typeface="Arial" panose="020B0604020202020204" pitchFamily="34" charset="0"/>
+              <a:buChar char="•"/>
+            </a:pPr>
+            <a:endParaRPr lang="en-US" altLang="ko-KR" dirty="0" smtClean="0"/>
+          </a:p>
+          <a:p>
+            <a:pPr marL="285750" indent="-285750">
+              <a:lnSpc>
+                <a:spcPct val="150000"/>
+              </a:lnSpc>
+              <a:buFont typeface="Arial" panose="020B0604020202020204" pitchFamily="34" charset="0"/>
+              <a:buChar char="•"/>
+            </a:pPr>
+            <a:endParaRPr lang="ko-KR" altLang="en-US" dirty="0"/>
+          </a:p>
+        </p:txBody>
+      </p:sp>
+    </p:spTree>
+    <p:extLst>
+      <p:ext uri="{BB962C8B-B14F-4D97-AF65-F5344CB8AC3E}">
+        <p14:creationId xmlns:p14="http://schemas.microsoft.com/office/powerpoint/2010/main" val="3328436246"/>
+      </p:ext>
+    </p:extLst>
+  </p:cSld>
+  <p:clrMapOvr>
+    <a:masterClrMapping/>
+  </p:clrMapOvr>
+  <p:timing>
+    <p:tnLst>
+      <p:par>
+        <p:cTn id="1" dur="indefinite" restart="never" nodeType="tmRoot"/>
+      </p:par>
+    </p:tnLst>
+  </p:timing>
+</p:sld>
+</file>
+
+<file path=ppt/slides/slide4.xml><?xml version="1.0" encoding="utf-8"?>
+<p:sld xmlns:a="http://schemas.openxmlformats.org/drawingml/2006/main" xmlns:r="http://schemas.openxmlformats.org/officeDocument/2006/relationships" xmlns:p="http://schemas.openxmlformats.org/presentationml/2006/main">
+  <p:cSld>
+    <p:spTree>
+      <p:nvGrpSpPr>
+        <p:cNvPr id="1" name=""/>
+        <p:cNvGrpSpPr/>
+        <p:nvPr/>
+      </p:nvGrpSpPr>
+      <p:grpSpPr>
+        <a:xfrm>
+          <a:off x="0" y="0"/>
+          <a:ext cx="0" cy="0"/>
+          <a:chOff x="0" y="0"/>
+          <a:chExt cx="0" cy="0"/>
+        </a:xfrm>
+      </p:grpSpPr>
+      <p:sp>
+        <p:nvSpPr>
+          <p:cNvPr id="43" name="TextBox 42"/>
+          <p:cNvSpPr txBox="1"/>
+          <p:nvPr/>
+        </p:nvSpPr>
+        <p:spPr>
+          <a:xfrm>
+            <a:off x="339678" y="347464"/>
+            <a:ext cx="7832722" cy="461665"/>
+          </a:xfrm>
+          <a:prstGeom prst="rect">
+            <a:avLst/>
+          </a:prstGeom>
+          <a:noFill/>
+        </p:spPr>
+        <p:txBody>
+          <a:bodyPr wrap="square" rtlCol="0">
+            <a:spAutoFit/>
+          </a:bodyPr>
+          <a:lstStyle>
+            <a:defPPr>
+              <a:defRPr lang="ko-KR"/>
+            </a:defPPr>
+            <a:lvl1pPr>
+              <a:defRPr sz="2400" b="1">
+                <a:solidFill>
+                  <a:srgbClr val="000000"/>
+                </a:solidFill>
+                <a:latin typeface="맑은 고딕" panose="020B0503020000020004" pitchFamily="50" charset="-127"/>
+                <a:ea typeface="맑은 고딕" panose="020B0503020000020004" pitchFamily="50" charset="-127"/>
+              </a:defRPr>
+            </a:lvl1pPr>
+          </a:lstStyle>
+          <a:p>
+            <a:r>
+              <a:rPr lang="en-US" altLang="ko-KR" dirty="0" smtClean="0"/>
+              <a:t>Proxy </a:t>
+            </a:r>
+            <a:r>
+              <a:rPr lang="ko-KR" altLang="en-US" dirty="0" smtClean="0"/>
+              <a:t>패턴 예제</a:t>
+            </a:r>
+            <a:endParaRPr lang="ko-KR" altLang="en-US" dirty="0"/>
+          </a:p>
+        </p:txBody>
+      </p:sp>
+      <p:sp>
+        <p:nvSpPr>
+          <p:cNvPr id="3" name="TextBox 2"/>
+          <p:cNvSpPr txBox="1"/>
+          <p:nvPr/>
+        </p:nvSpPr>
+        <p:spPr>
+          <a:xfrm>
+            <a:off x="611560" y="1196752"/>
+            <a:ext cx="7848872" cy="923330"/>
+          </a:xfrm>
+          <a:prstGeom prst="rect">
+            <a:avLst/>
+          </a:prstGeom>
+          <a:noFill/>
+        </p:spPr>
+        <p:txBody>
+          <a:bodyPr wrap="square" rtlCol="0">
+            <a:spAutoFit/>
+          </a:bodyPr>
+          <a:lstStyle/>
+          <a:p>
+            <a:pPr marL="285750" indent="-285750">
+              <a:lnSpc>
+                <a:spcPct val="150000"/>
+              </a:lnSpc>
+              <a:buFont typeface="Arial" panose="020B0604020202020204" pitchFamily="34" charset="0"/>
+              <a:buChar char="•"/>
+            </a:pPr>
+            <a:r>
+              <a:rPr lang="en-US" altLang="ko-KR" dirty="0" err="1" smtClean="0"/>
+              <a:t>PrinterProxy</a:t>
+            </a:r>
+            <a:r>
+              <a:rPr lang="ko-KR" altLang="en-US" dirty="0" smtClean="0"/>
+              <a:t>는 실제로 </a:t>
+            </a:r>
+            <a:r>
+              <a:rPr lang="en-US" altLang="ko-KR" dirty="0" smtClean="0"/>
+              <a:t>Printer</a:t>
+            </a:r>
+            <a:r>
+              <a:rPr lang="ko-KR" altLang="en-US" dirty="0" smtClean="0"/>
+              <a:t>를 실행하는 단계가 되어서야 비로서 </a:t>
+            </a:r>
+            <a:r>
+              <a:rPr lang="en-US" altLang="ko-KR" dirty="0" smtClean="0"/>
+              <a:t>Printer </a:t>
+            </a:r>
+            <a:r>
+              <a:rPr lang="ko-KR" altLang="en-US" dirty="0" smtClean="0"/>
+              <a:t>클래스의 </a:t>
+            </a:r>
+            <a:r>
+              <a:rPr lang="ko-KR" altLang="en-US" dirty="0" err="1" smtClean="0"/>
+              <a:t>인스턴스를</a:t>
+            </a:r>
+            <a:r>
+              <a:rPr lang="ko-KR" altLang="en-US" dirty="0" smtClean="0"/>
+              <a:t> 생성합니다</a:t>
+            </a:r>
+            <a:r>
+              <a:rPr lang="en-US" altLang="ko-KR" smtClean="0"/>
+              <a:t>.</a:t>
+            </a:r>
+            <a:endParaRPr lang="ko-KR" altLang="en-US" dirty="0"/>
+          </a:p>
+        </p:txBody>
+      </p:sp>
+    </p:spTree>
+    <p:extLst>
+      <p:ext uri="{BB962C8B-B14F-4D97-AF65-F5344CB8AC3E}">
+        <p14:creationId xmlns:p14="http://schemas.microsoft.com/office/powerpoint/2010/main" val="862687966"/>
+      </p:ext>
+    </p:extLst>
+  </p:cSld>
+  <p:clrMapOvr>
+    <a:masterClrMapping/>
+  </p:clrMapOvr>
+  <p:timing>
+    <p:tnLst>
+      <p:par>
+        <p:cTn id="1" dur="indefinite" restart="never" nodeType="tmRoot"/>
+      </p:par>
+    </p:tnLst>
+  </p:timing>
+</p:sld>
+</file>
+
+<file path=ppt/slides/slide5.xml><?xml version="1.0" encoding="utf-8"?>
+<p:sld xmlns:a="http://schemas.openxmlformats.org/drawingml/2006/main" xmlns:r="http://schemas.openxmlformats.org/officeDocument/2006/relationships" xmlns:p="http://schemas.openxmlformats.org/presentationml/2006/main">
+  <p:cSld>
+    <p:spTree>
+      <p:nvGrpSpPr>
+        <p:cNvPr id="1" name=""/>
+        <p:cNvGrpSpPr/>
+        <p:nvPr/>
+      </p:nvGrpSpPr>
+      <p:grpSpPr>
+        <a:xfrm>
+          <a:off x="0" y="0"/>
+          <a:ext cx="0" cy="0"/>
+          <a:chOff x="0" y="0"/>
+          <a:chExt cx="0" cy="0"/>
+        </a:xfrm>
+      </p:grpSpPr>
+      <p:sp>
+        <p:nvSpPr>
+          <p:cNvPr id="43" name="TextBox 42"/>
+          <p:cNvSpPr txBox="1"/>
+          <p:nvPr/>
+        </p:nvSpPr>
+        <p:spPr>
+          <a:xfrm>
+            <a:off x="339678" y="347464"/>
+            <a:ext cx="7832722" cy="461665"/>
+          </a:xfrm>
+          <a:prstGeom prst="rect">
+            <a:avLst/>
+          </a:prstGeom>
+          <a:noFill/>
+        </p:spPr>
+        <p:txBody>
+          <a:bodyPr wrap="square" rtlCol="0">
+            <a:spAutoFit/>
+          </a:bodyPr>
+          <a:lstStyle>
+            <a:defPPr>
+              <a:defRPr lang="ko-KR"/>
+            </a:defPPr>
+            <a:lvl1pPr>
+              <a:defRPr sz="2400" b="1">
+                <a:solidFill>
+                  <a:srgbClr val="000000"/>
+                </a:solidFill>
+                <a:latin typeface="맑은 고딕" panose="020B0503020000020004" pitchFamily="50" charset="-127"/>
+                <a:ea typeface="맑은 고딕" panose="020B0503020000020004" pitchFamily="50" charset="-127"/>
+              </a:defRPr>
+            </a:lvl1pPr>
+          </a:lstStyle>
+          <a:p>
+            <a:r>
+              <a:rPr lang="en-US" altLang="ko-KR" dirty="0"/>
+              <a:t>Proxy </a:t>
+            </a:r>
+            <a:r>
+              <a:rPr lang="ko-KR" altLang="en-US" dirty="0"/>
+              <a:t>패턴의 </a:t>
+            </a:r>
+            <a:r>
+              <a:rPr lang="ko-KR" altLang="en-US" dirty="0" smtClean="0"/>
+              <a:t>장점</a:t>
+            </a:r>
+            <a:endParaRPr lang="ko-KR" altLang="en-US" dirty="0"/>
+          </a:p>
+        </p:txBody>
+      </p:sp>
+      <p:sp>
+        <p:nvSpPr>
+          <p:cNvPr id="4" name="TextBox 3"/>
+          <p:cNvSpPr txBox="1"/>
+          <p:nvPr/>
+        </p:nvSpPr>
+        <p:spPr>
+          <a:xfrm>
+            <a:off x="611560" y="1196752"/>
+            <a:ext cx="7848872" cy="3831818"/>
+          </a:xfrm>
+          <a:prstGeom prst="rect">
+            <a:avLst/>
+          </a:prstGeom>
+          <a:noFill/>
+        </p:spPr>
+        <p:txBody>
+          <a:bodyPr wrap="square" rtlCol="0">
+            <a:spAutoFit/>
+          </a:bodyPr>
+          <a:lstStyle/>
+          <a:p>
+            <a:pPr marL="285750" indent="-285750">
+              <a:lnSpc>
+                <a:spcPct val="150000"/>
+              </a:lnSpc>
+              <a:buFont typeface="Arial" panose="020B0604020202020204" pitchFamily="34" charset="0"/>
+              <a:buChar char="•"/>
+            </a:pPr>
+            <a:r>
+              <a:rPr lang="ko-KR" altLang="en-US" dirty="0" smtClean="0"/>
+              <a:t>속도 올리기</a:t>
+            </a:r>
+            <a:endParaRPr lang="en-US" altLang="ko-KR" dirty="0" smtClean="0"/>
+          </a:p>
+          <a:p>
+            <a:pPr marL="742950" lvl="1" indent="-285750">
+              <a:lnSpc>
+                <a:spcPct val="150000"/>
+              </a:lnSpc>
+              <a:buFont typeface="Arial" panose="020B0604020202020204" pitchFamily="34" charset="0"/>
+              <a:buChar char="•"/>
+            </a:pPr>
+            <a:r>
+              <a:rPr lang="ko-KR" altLang="en-US" dirty="0" smtClean="0"/>
+              <a:t>무거운 처리</a:t>
+            </a:r>
+            <a:r>
+              <a:rPr lang="en-US" altLang="ko-KR" dirty="0" smtClean="0"/>
+              <a:t>(</a:t>
+            </a:r>
+            <a:r>
+              <a:rPr lang="ko-KR" altLang="en-US" dirty="0" err="1" smtClean="0"/>
+              <a:t>인스턴스</a:t>
+            </a:r>
+            <a:r>
+              <a:rPr lang="ko-KR" altLang="en-US" dirty="0" smtClean="0"/>
+              <a:t> 생성</a:t>
+            </a:r>
+            <a:r>
+              <a:rPr lang="en-US" altLang="ko-KR" dirty="0" smtClean="0"/>
+              <a:t>)</a:t>
+            </a:r>
+            <a:r>
+              <a:rPr lang="ko-KR" altLang="en-US" dirty="0" smtClean="0"/>
+              <a:t>를 요청이 올 때까지 지연시킬 수 있다</a:t>
+            </a:r>
+            <a:r>
+              <a:rPr lang="en-US" altLang="ko-KR" dirty="0" smtClean="0"/>
+              <a:t>.</a:t>
+            </a:r>
+          </a:p>
+          <a:p>
+            <a:pPr marL="285750" indent="-285750">
+              <a:lnSpc>
+                <a:spcPct val="150000"/>
+              </a:lnSpc>
+              <a:buFont typeface="Arial" panose="020B0604020202020204" pitchFamily="34" charset="0"/>
+              <a:buChar char="•"/>
+            </a:pPr>
+            <a:endParaRPr lang="en-US" altLang="ko-KR" dirty="0"/>
+          </a:p>
+          <a:p>
+            <a:pPr marL="285750" indent="-285750">
+              <a:lnSpc>
+                <a:spcPct val="150000"/>
+              </a:lnSpc>
+              <a:buFont typeface="Arial" panose="020B0604020202020204" pitchFamily="34" charset="0"/>
+              <a:buChar char="•"/>
+            </a:pPr>
+            <a:endParaRPr lang="en-US" altLang="ko-KR" dirty="0" smtClean="0"/>
+          </a:p>
+          <a:p>
+            <a:pPr marL="285750" indent="-285750">
+              <a:lnSpc>
+                <a:spcPct val="150000"/>
+              </a:lnSpc>
+              <a:buFont typeface="Arial" panose="020B0604020202020204" pitchFamily="34" charset="0"/>
+              <a:buChar char="•"/>
+            </a:pPr>
+            <a:r>
+              <a:rPr lang="en-US" altLang="ko-KR" dirty="0" smtClean="0"/>
+              <a:t>Proxy</a:t>
+            </a:r>
+            <a:r>
+              <a:rPr lang="ko-KR" altLang="en-US" dirty="0" smtClean="0"/>
+              <a:t>를 분리하지 않고 본래 클래스 안에서 </a:t>
+            </a:r>
+            <a:r>
+              <a:rPr lang="ko-KR" altLang="en-US" dirty="0" err="1" smtClean="0"/>
+              <a:t>인스턴스를</a:t>
+            </a:r>
+            <a:r>
+              <a:rPr lang="ko-KR" altLang="en-US" dirty="0" smtClean="0"/>
+              <a:t> 사용할 때 생성하도록 처리하면 안되나</a:t>
+            </a:r>
+            <a:r>
+              <a:rPr lang="en-US" altLang="ko-KR" dirty="0" smtClean="0"/>
+              <a:t>?</a:t>
+            </a:r>
+          </a:p>
+          <a:p>
+            <a:pPr marL="742950" lvl="1" indent="-285750">
+              <a:lnSpc>
+                <a:spcPct val="150000"/>
+              </a:lnSpc>
+              <a:buFont typeface="Arial" panose="020B0604020202020204" pitchFamily="34" charset="0"/>
+              <a:buChar char="•"/>
+            </a:pPr>
+            <a:r>
+              <a:rPr lang="en-US" altLang="ko-KR" dirty="0" smtClean="0"/>
+              <a:t>Proxy </a:t>
+            </a:r>
+            <a:r>
+              <a:rPr lang="ko-KR" altLang="en-US" dirty="0" smtClean="0"/>
+              <a:t>역할과</a:t>
+            </a:r>
+            <a:r>
+              <a:rPr lang="en-US" altLang="ko-KR" dirty="0" smtClean="0"/>
+              <a:t> </a:t>
+            </a:r>
+            <a:r>
+              <a:rPr lang="en-US" altLang="ko-KR" dirty="0" err="1" smtClean="0"/>
+              <a:t>RealSubject</a:t>
+            </a:r>
+            <a:r>
+              <a:rPr lang="en-US" altLang="ko-KR" dirty="0" smtClean="0"/>
+              <a:t> </a:t>
+            </a:r>
+            <a:r>
+              <a:rPr lang="ko-KR" altLang="en-US" dirty="0" smtClean="0"/>
+              <a:t>역할을 분리하면 개별적으로 수정할 수 있다</a:t>
+            </a:r>
+            <a:r>
+              <a:rPr lang="en-US" altLang="ko-KR" dirty="0" smtClean="0"/>
+              <a:t>.(</a:t>
+            </a:r>
+            <a:r>
+              <a:rPr lang="ko-KR" altLang="en-US" dirty="0" smtClean="0"/>
+              <a:t>분할해서 통치</a:t>
+            </a:r>
+            <a:r>
+              <a:rPr lang="en-US" altLang="ko-KR" dirty="0" smtClean="0"/>
+              <a:t>!)</a:t>
+            </a:r>
+          </a:p>
+          <a:p>
+            <a:pPr marL="742950" lvl="1" indent="-285750">
+              <a:lnSpc>
+                <a:spcPct val="150000"/>
+              </a:lnSpc>
+              <a:buFont typeface="Arial" panose="020B0604020202020204" pitchFamily="34" charset="0"/>
+              <a:buChar char="•"/>
+            </a:pPr>
+            <a:r>
+              <a:rPr lang="en-US" altLang="ko-KR" dirty="0" err="1" smtClean="0"/>
+              <a:t>RealSubject</a:t>
+            </a:r>
+            <a:r>
+              <a:rPr lang="ko-KR" altLang="en-US" dirty="0" smtClean="0"/>
+              <a:t>는 수정할 일이 잘 없어진다</a:t>
+            </a:r>
+            <a:r>
+              <a:rPr lang="en-US" altLang="ko-KR" dirty="0" smtClean="0"/>
+              <a:t>.</a:t>
+            </a:r>
+          </a:p>
+        </p:txBody>
+      </p:sp>
     </p:spTree>
   </p:cSld>
   <p:clrMapOvr>
@@ -4064,7 +4645,693 @@
 </p:sld>
 </file>
 
-<file path=ppt/slides/slide4.xml><?xml version="1.0" encoding="utf-8"?>
+<file path=ppt/slides/slide6.xml><?xml version="1.0" encoding="utf-8"?>
+<p:sld xmlns:a="http://schemas.openxmlformats.org/drawingml/2006/main" xmlns:r="http://schemas.openxmlformats.org/officeDocument/2006/relationships" xmlns:p="http://schemas.openxmlformats.org/presentationml/2006/main">
+  <p:cSld>
+    <p:spTree>
+      <p:nvGrpSpPr>
+        <p:cNvPr id="1" name=""/>
+        <p:cNvGrpSpPr/>
+        <p:nvPr/>
+      </p:nvGrpSpPr>
+      <p:grpSpPr>
+        <a:xfrm>
+          <a:off x="0" y="0"/>
+          <a:ext cx="0" cy="0"/>
+          <a:chOff x="0" y="0"/>
+          <a:chExt cx="0" cy="0"/>
+        </a:xfrm>
+      </p:grpSpPr>
+      <p:sp>
+        <p:nvSpPr>
+          <p:cNvPr id="43" name="TextBox 42"/>
+          <p:cNvSpPr txBox="1"/>
+          <p:nvPr/>
+        </p:nvSpPr>
+        <p:spPr>
+          <a:xfrm>
+            <a:off x="339678" y="347464"/>
+            <a:ext cx="7832722" cy="461665"/>
+          </a:xfrm>
+          <a:prstGeom prst="rect">
+            <a:avLst/>
+          </a:prstGeom>
+          <a:noFill/>
+        </p:spPr>
+        <p:txBody>
+          <a:bodyPr wrap="square" rtlCol="0">
+            <a:spAutoFit/>
+          </a:bodyPr>
+          <a:lstStyle>
+            <a:defPPr>
+              <a:defRPr lang="ko-KR"/>
+            </a:defPPr>
+            <a:lvl1pPr>
+              <a:defRPr sz="2400" b="1">
+                <a:solidFill>
+                  <a:srgbClr val="000000"/>
+                </a:solidFill>
+                <a:latin typeface="맑은 고딕" panose="020B0503020000020004" pitchFamily="50" charset="-127"/>
+                <a:ea typeface="맑은 고딕" panose="020B0503020000020004" pitchFamily="50" charset="-127"/>
+              </a:defRPr>
+            </a:lvl1pPr>
+          </a:lstStyle>
+          <a:p>
+            <a:r>
+              <a:rPr lang="en-US" altLang="ko-KR" dirty="0" smtClean="0"/>
+              <a:t>HTTP Proxy</a:t>
+            </a:r>
+            <a:endParaRPr lang="ko-KR" altLang="en-US" dirty="0"/>
+          </a:p>
+        </p:txBody>
+      </p:sp>
+      <p:sp>
+        <p:nvSpPr>
+          <p:cNvPr id="4" name="TextBox 3"/>
+          <p:cNvSpPr txBox="1"/>
+          <p:nvPr/>
+        </p:nvSpPr>
+        <p:spPr>
+          <a:xfrm>
+            <a:off x="611560" y="1196752"/>
+            <a:ext cx="7848872" cy="3000821"/>
+          </a:xfrm>
+          <a:prstGeom prst="rect">
+            <a:avLst/>
+          </a:prstGeom>
+          <a:noFill/>
+        </p:spPr>
+        <p:txBody>
+          <a:bodyPr wrap="square" rtlCol="0">
+            <a:spAutoFit/>
+          </a:bodyPr>
+          <a:lstStyle/>
+          <a:p>
+            <a:pPr marL="285750" indent="-285750">
+              <a:lnSpc>
+                <a:spcPct val="150000"/>
+              </a:lnSpc>
+              <a:buFont typeface="Arial" panose="020B0604020202020204" pitchFamily="34" charset="0"/>
+              <a:buChar char="•"/>
+            </a:pPr>
+            <a:r>
+              <a:rPr lang="en-US" altLang="ko-KR" dirty="0" smtClean="0"/>
+              <a:t>HTTP </a:t>
+            </a:r>
+            <a:r>
+              <a:rPr lang="ko-KR" altLang="en-US" dirty="0" smtClean="0"/>
+              <a:t>서버와 </a:t>
+            </a:r>
+            <a:r>
+              <a:rPr lang="en-US" altLang="ko-KR" dirty="0" smtClean="0"/>
+              <a:t>HTTP </a:t>
+            </a:r>
+            <a:r>
+              <a:rPr lang="ko-KR" altLang="en-US" dirty="0" smtClean="0"/>
+              <a:t>클라이언트 사이에서 웹 페이지의 </a:t>
+            </a:r>
+            <a:r>
+              <a:rPr lang="ko-KR" altLang="en-US" dirty="0" err="1" smtClean="0"/>
+              <a:t>캐싱을</a:t>
+            </a:r>
+            <a:r>
+              <a:rPr lang="ko-KR" altLang="en-US" dirty="0" smtClean="0"/>
+              <a:t> 실행하는 소프트웨어</a:t>
+            </a:r>
+            <a:endParaRPr lang="en-US" altLang="ko-KR" dirty="0" smtClean="0"/>
+          </a:p>
+          <a:p>
+            <a:pPr marL="285750" indent="-285750">
+              <a:lnSpc>
+                <a:spcPct val="150000"/>
+              </a:lnSpc>
+              <a:buFont typeface="Arial" panose="020B0604020202020204" pitchFamily="34" charset="0"/>
+              <a:buChar char="•"/>
+            </a:pPr>
+            <a:endParaRPr lang="en-US" altLang="ko-KR" dirty="0"/>
+          </a:p>
+          <a:p>
+            <a:pPr marL="285750" indent="-285750">
+              <a:lnSpc>
+                <a:spcPct val="150000"/>
+              </a:lnSpc>
+              <a:buFont typeface="Arial" panose="020B0604020202020204" pitchFamily="34" charset="0"/>
+              <a:buChar char="•"/>
+            </a:pPr>
+            <a:r>
+              <a:rPr lang="ko-KR" altLang="en-US" dirty="0" smtClean="0"/>
+              <a:t>웹 브라우저가 웹 페이지를 표시할 때 일일이 원격지에 있는 웹 서버에 액세스해서 그 페이지를 취득하는 것이 아니라</a:t>
+            </a:r>
+            <a:r>
+              <a:rPr lang="en-US" altLang="ko-KR" dirty="0" smtClean="0"/>
+              <a:t>, HTTP Proxy</a:t>
+            </a:r>
+            <a:r>
+              <a:rPr lang="ko-KR" altLang="en-US" dirty="0" smtClean="0"/>
+              <a:t>가 </a:t>
+            </a:r>
+            <a:r>
+              <a:rPr lang="ko-KR" altLang="en-US" dirty="0" err="1" smtClean="0"/>
+              <a:t>캐쉬해서</a:t>
+            </a:r>
+            <a:r>
+              <a:rPr lang="ko-KR" altLang="en-US" dirty="0" smtClean="0"/>
+              <a:t> 어떤 페이지를 대신해서 취득</a:t>
+            </a:r>
+            <a:r>
+              <a:rPr lang="en-US" altLang="ko-KR" dirty="0" smtClean="0"/>
+              <a:t>. </a:t>
+            </a:r>
+            <a:r>
+              <a:rPr lang="ko-KR" altLang="en-US" dirty="0" smtClean="0"/>
+              <a:t>유효기간이 지나거나 더 많은 정보가 필요할 때 </a:t>
+            </a:r>
+            <a:r>
+              <a:rPr lang="ko-KR" altLang="en-US" dirty="0" err="1" smtClean="0"/>
+              <a:t>웹서버에</a:t>
+            </a:r>
+            <a:r>
+              <a:rPr lang="ko-KR" altLang="en-US" dirty="0" smtClean="0"/>
+              <a:t> 접근</a:t>
+            </a:r>
+            <a:endParaRPr lang="en-US" altLang="ko-KR" dirty="0" smtClean="0"/>
+          </a:p>
+        </p:txBody>
+      </p:sp>
+    </p:spTree>
+    <p:extLst>
+      <p:ext uri="{BB962C8B-B14F-4D97-AF65-F5344CB8AC3E}">
+        <p14:creationId xmlns:p14="http://schemas.microsoft.com/office/powerpoint/2010/main" val="4002610866"/>
+      </p:ext>
+    </p:extLst>
+  </p:cSld>
+  <p:clrMapOvr>
+    <a:masterClrMapping/>
+  </p:clrMapOvr>
+  <p:timing>
+    <p:tnLst>
+      <p:par>
+        <p:cTn id="1" dur="indefinite" restart="never" nodeType="tmRoot"/>
+      </p:par>
+    </p:tnLst>
+  </p:timing>
+</p:sld>
+</file>
+
+<file path=ppt/slides/slide7.xml><?xml version="1.0" encoding="utf-8"?>
+<p:sld xmlns:a="http://schemas.openxmlformats.org/drawingml/2006/main" xmlns:r="http://schemas.openxmlformats.org/officeDocument/2006/relationships" xmlns:p="http://schemas.openxmlformats.org/presentationml/2006/main">
+  <p:cSld>
+    <p:spTree>
+      <p:nvGrpSpPr>
+        <p:cNvPr id="1" name=""/>
+        <p:cNvGrpSpPr/>
+        <p:nvPr/>
+      </p:nvGrpSpPr>
+      <p:grpSpPr>
+        <a:xfrm>
+          <a:off x="0" y="0"/>
+          <a:ext cx="0" cy="0"/>
+          <a:chOff x="0" y="0"/>
+          <a:chExt cx="0" cy="0"/>
+        </a:xfrm>
+      </p:grpSpPr>
+      <p:sp>
+        <p:nvSpPr>
+          <p:cNvPr id="43" name="TextBox 42"/>
+          <p:cNvSpPr txBox="1"/>
+          <p:nvPr/>
+        </p:nvSpPr>
+        <p:spPr>
+          <a:xfrm>
+            <a:off x="339678" y="347464"/>
+            <a:ext cx="7832722" cy="461665"/>
+          </a:xfrm>
+          <a:prstGeom prst="rect">
+            <a:avLst/>
+          </a:prstGeom>
+          <a:noFill/>
+        </p:spPr>
+        <p:txBody>
+          <a:bodyPr wrap="square" rtlCol="0">
+            <a:spAutoFit/>
+          </a:bodyPr>
+          <a:lstStyle>
+            <a:defPPr>
+              <a:defRPr lang="ko-KR"/>
+            </a:defPPr>
+            <a:lvl1pPr>
+              <a:defRPr sz="2400" b="1">
+                <a:solidFill>
+                  <a:srgbClr val="000000"/>
+                </a:solidFill>
+                <a:latin typeface="맑은 고딕" panose="020B0503020000020004" pitchFamily="50" charset="-127"/>
+                <a:ea typeface="맑은 고딕" panose="020B0503020000020004" pitchFamily="50" charset="-127"/>
+              </a:defRPr>
+            </a:lvl1pPr>
+          </a:lstStyle>
+          <a:p>
+            <a:r>
+              <a:rPr lang="en-US" altLang="ko-KR" dirty="0"/>
+              <a:t>Proxy </a:t>
+            </a:r>
+            <a:r>
+              <a:rPr lang="ko-KR" altLang="en-US" dirty="0"/>
+              <a:t>패턴의 </a:t>
+            </a:r>
+            <a:r>
+              <a:rPr lang="ko-KR" altLang="en-US" dirty="0" smtClean="0"/>
+              <a:t>종류</a:t>
+            </a:r>
+            <a:endParaRPr lang="ko-KR" altLang="en-US" dirty="0"/>
+          </a:p>
+        </p:txBody>
+      </p:sp>
+      <p:sp>
+        <p:nvSpPr>
+          <p:cNvPr id="4" name="TextBox 3"/>
+          <p:cNvSpPr txBox="1"/>
+          <p:nvPr/>
+        </p:nvSpPr>
+        <p:spPr>
+          <a:xfrm>
+            <a:off x="611560" y="1196752"/>
+            <a:ext cx="7848872" cy="5078313"/>
+          </a:xfrm>
+          <a:prstGeom prst="rect">
+            <a:avLst/>
+          </a:prstGeom>
+          <a:noFill/>
+        </p:spPr>
+        <p:txBody>
+          <a:bodyPr wrap="square" rtlCol="0">
+            <a:spAutoFit/>
+          </a:bodyPr>
+          <a:lstStyle/>
+          <a:p>
+            <a:pPr marL="285750" indent="-285750">
+              <a:lnSpc>
+                <a:spcPct val="150000"/>
+              </a:lnSpc>
+              <a:buFont typeface="Arial" panose="020B0604020202020204" pitchFamily="34" charset="0"/>
+              <a:buChar char="•"/>
+            </a:pPr>
+            <a:r>
+              <a:rPr lang="ko-KR" altLang="en-US" dirty="0" smtClean="0"/>
+              <a:t>가상 </a:t>
+            </a:r>
+            <a:r>
+              <a:rPr lang="en-US" altLang="ko-KR" dirty="0" smtClean="0"/>
+              <a:t>Proxy</a:t>
+            </a:r>
+          </a:p>
+          <a:p>
+            <a:pPr marL="742950" lvl="1" indent="-285750">
+              <a:lnSpc>
+                <a:spcPct val="150000"/>
+              </a:lnSpc>
+              <a:buFont typeface="Arial" panose="020B0604020202020204" pitchFamily="34" charset="0"/>
+              <a:buChar char="•"/>
+            </a:pPr>
+            <a:r>
+              <a:rPr lang="ko-KR" altLang="en-US" dirty="0" smtClean="0"/>
+              <a:t>이 장의 예제에 나온 것과 같이 </a:t>
+            </a:r>
+            <a:r>
+              <a:rPr lang="ko-KR" altLang="en-US" dirty="0" err="1" smtClean="0"/>
+              <a:t>인스턴스가</a:t>
+            </a:r>
+            <a:r>
+              <a:rPr lang="ko-KR" altLang="en-US" dirty="0" smtClean="0"/>
+              <a:t> 정말 필요한 시점에 생성</a:t>
+            </a:r>
+            <a:r>
+              <a:rPr lang="en-US" altLang="ko-KR" dirty="0" smtClean="0"/>
+              <a:t>, </a:t>
+            </a:r>
+            <a:r>
+              <a:rPr lang="ko-KR" altLang="en-US" dirty="0" smtClean="0"/>
+              <a:t>초기화를 실행하는 </a:t>
+            </a:r>
+            <a:r>
+              <a:rPr lang="en-US" altLang="ko-KR" dirty="0" smtClean="0"/>
+              <a:t>Proxy</a:t>
+            </a:r>
+          </a:p>
+          <a:p>
+            <a:pPr marL="742950" lvl="1" indent="-285750">
+              <a:lnSpc>
+                <a:spcPct val="150000"/>
+              </a:lnSpc>
+              <a:buFont typeface="Arial" panose="020B0604020202020204" pitchFamily="34" charset="0"/>
+              <a:buChar char="•"/>
+            </a:pPr>
+            <a:endParaRPr lang="en-US" altLang="ko-KR" dirty="0" smtClean="0"/>
+          </a:p>
+          <a:p>
+            <a:pPr marL="285750" indent="-285750">
+              <a:lnSpc>
+                <a:spcPct val="150000"/>
+              </a:lnSpc>
+              <a:buFont typeface="Arial" panose="020B0604020202020204" pitchFamily="34" charset="0"/>
+              <a:buChar char="•"/>
+            </a:pPr>
+            <a:r>
+              <a:rPr lang="ko-KR" altLang="en-US" dirty="0" smtClean="0"/>
+              <a:t>원격 </a:t>
+            </a:r>
+            <a:r>
+              <a:rPr lang="en-US" altLang="ko-KR" dirty="0" smtClean="0"/>
+              <a:t>Proxy</a:t>
+            </a:r>
+          </a:p>
+          <a:p>
+            <a:pPr marL="742950" lvl="1" indent="-285750">
+              <a:lnSpc>
+                <a:spcPct val="150000"/>
+              </a:lnSpc>
+              <a:buFont typeface="Arial" panose="020B0604020202020204" pitchFamily="34" charset="0"/>
+              <a:buChar char="•"/>
+            </a:pPr>
+            <a:r>
+              <a:rPr lang="en-US" altLang="ko-KR" dirty="0" err="1" smtClean="0"/>
+              <a:t>RealSubject</a:t>
+            </a:r>
+            <a:r>
+              <a:rPr lang="ko-KR" altLang="en-US" dirty="0" smtClean="0"/>
+              <a:t>가 네트워크의 상대 쪽에 있어도 자신의 쪽에 있는 것처럼 </a:t>
+            </a:r>
+            <a:r>
+              <a:rPr lang="ko-KR" altLang="en-US" dirty="0" err="1" smtClean="0"/>
+              <a:t>메소드를</a:t>
+            </a:r>
+            <a:r>
+              <a:rPr lang="ko-KR" altLang="en-US" dirty="0" smtClean="0"/>
+              <a:t> 호출하는 </a:t>
+            </a:r>
+            <a:r>
+              <a:rPr lang="en-US" altLang="ko-KR" dirty="0" smtClean="0"/>
+              <a:t>Proxy. Java</a:t>
+            </a:r>
+            <a:r>
+              <a:rPr lang="ko-KR" altLang="en-US" dirty="0" smtClean="0"/>
+              <a:t>의 </a:t>
+            </a:r>
+            <a:r>
+              <a:rPr lang="en-US" altLang="ko-KR" dirty="0" smtClean="0"/>
+              <a:t>RMI(Remote Method Invocation)</a:t>
+            </a:r>
+          </a:p>
+          <a:p>
+            <a:pPr marL="285750" indent="-285750">
+              <a:lnSpc>
+                <a:spcPct val="150000"/>
+              </a:lnSpc>
+              <a:buFont typeface="Arial" panose="020B0604020202020204" pitchFamily="34" charset="0"/>
+              <a:buChar char="•"/>
+            </a:pPr>
+            <a:endParaRPr lang="en-US" altLang="ko-KR" dirty="0" smtClean="0"/>
+          </a:p>
+          <a:p>
+            <a:pPr marL="285750" indent="-285750">
+              <a:lnSpc>
+                <a:spcPct val="150000"/>
+              </a:lnSpc>
+              <a:buFont typeface="Arial" panose="020B0604020202020204" pitchFamily="34" charset="0"/>
+              <a:buChar char="•"/>
+            </a:pPr>
+            <a:r>
+              <a:rPr lang="en-US" altLang="ko-KR" dirty="0" smtClean="0"/>
+              <a:t>Access Proxy</a:t>
+            </a:r>
+          </a:p>
+          <a:p>
+            <a:pPr marL="742950" lvl="1" indent="-285750">
+              <a:lnSpc>
+                <a:spcPct val="150000"/>
+              </a:lnSpc>
+              <a:buFont typeface="Arial" panose="020B0604020202020204" pitchFamily="34" charset="0"/>
+              <a:buChar char="•"/>
+            </a:pPr>
+            <a:r>
+              <a:rPr lang="en-US" altLang="ko-KR" dirty="0" err="1" smtClean="0"/>
+              <a:t>RealSubject</a:t>
+            </a:r>
+            <a:r>
+              <a:rPr lang="en-US" altLang="ko-KR" dirty="0" smtClean="0"/>
+              <a:t> </a:t>
+            </a:r>
+            <a:r>
+              <a:rPr lang="ko-KR" altLang="en-US" dirty="0" smtClean="0"/>
+              <a:t>역할의 기능에 대해 </a:t>
+            </a:r>
+            <a:r>
+              <a:rPr lang="en-US" altLang="ko-KR" dirty="0" smtClean="0"/>
+              <a:t>Access </a:t>
+            </a:r>
+            <a:r>
+              <a:rPr lang="ko-KR" altLang="en-US" dirty="0" smtClean="0"/>
+              <a:t>제한을 설정한 것</a:t>
+            </a:r>
+            <a:r>
+              <a:rPr lang="en-US" altLang="ko-KR" dirty="0" smtClean="0"/>
+              <a:t>. </a:t>
+            </a:r>
+            <a:r>
+              <a:rPr lang="ko-KR" altLang="en-US" dirty="0" smtClean="0"/>
+              <a:t>정해진 사용자이면 </a:t>
+            </a:r>
+            <a:r>
+              <a:rPr lang="ko-KR" altLang="en-US" dirty="0" err="1" smtClean="0"/>
+              <a:t>메소드</a:t>
+            </a:r>
+            <a:r>
+              <a:rPr lang="ko-KR" altLang="en-US" dirty="0" smtClean="0"/>
+              <a:t> 호출을 허가하지만</a:t>
+            </a:r>
+            <a:r>
+              <a:rPr lang="en-US" altLang="ko-KR" dirty="0" smtClean="0"/>
+              <a:t>, </a:t>
+            </a:r>
+            <a:r>
+              <a:rPr lang="ko-KR" altLang="en-US" dirty="0" smtClean="0"/>
+              <a:t>그 외에는 에러로 처리</a:t>
+            </a:r>
+            <a:r>
+              <a:rPr lang="en-US" altLang="ko-KR" dirty="0" smtClean="0"/>
+              <a:t>.</a:t>
+            </a:r>
+          </a:p>
+          <a:p>
+            <a:pPr marL="285750" indent="-285750">
+              <a:lnSpc>
+                <a:spcPct val="150000"/>
+              </a:lnSpc>
+              <a:buFont typeface="Arial" panose="020B0604020202020204" pitchFamily="34" charset="0"/>
+              <a:buChar char="•"/>
+            </a:pPr>
+            <a:endParaRPr lang="ko-KR" altLang="en-US" dirty="0"/>
+          </a:p>
+        </p:txBody>
+      </p:sp>
+    </p:spTree>
+    <p:extLst>
+      <p:ext uri="{BB962C8B-B14F-4D97-AF65-F5344CB8AC3E}">
+        <p14:creationId xmlns:p14="http://schemas.microsoft.com/office/powerpoint/2010/main" val="1958232856"/>
+      </p:ext>
+    </p:extLst>
+  </p:cSld>
+  <p:clrMapOvr>
+    <a:masterClrMapping/>
+  </p:clrMapOvr>
+  <p:timing>
+    <p:tnLst>
+      <p:par>
+        <p:cTn id="1" dur="indefinite" restart="never" nodeType="tmRoot"/>
+      </p:par>
+    </p:tnLst>
+  </p:timing>
+</p:sld>
+</file>
+
+<file path=ppt/slides/slide8.xml><?xml version="1.0" encoding="utf-8"?>
+<p:sld xmlns:a="http://schemas.openxmlformats.org/drawingml/2006/main" xmlns:r="http://schemas.openxmlformats.org/officeDocument/2006/relationships" xmlns:p="http://schemas.openxmlformats.org/presentationml/2006/main">
+  <p:cSld>
+    <p:spTree>
+      <p:nvGrpSpPr>
+        <p:cNvPr id="1" name=""/>
+        <p:cNvGrpSpPr/>
+        <p:nvPr/>
+      </p:nvGrpSpPr>
+      <p:grpSpPr>
+        <a:xfrm>
+          <a:off x="0" y="0"/>
+          <a:ext cx="0" cy="0"/>
+          <a:chOff x="0" y="0"/>
+          <a:chExt cx="0" cy="0"/>
+        </a:xfrm>
+      </p:grpSpPr>
+      <p:sp>
+        <p:nvSpPr>
+          <p:cNvPr id="43" name="TextBox 42"/>
+          <p:cNvSpPr txBox="1"/>
+          <p:nvPr/>
+        </p:nvSpPr>
+        <p:spPr>
+          <a:xfrm>
+            <a:off x="339678" y="347464"/>
+            <a:ext cx="7832722" cy="461665"/>
+          </a:xfrm>
+          <a:prstGeom prst="rect">
+            <a:avLst/>
+          </a:prstGeom>
+          <a:noFill/>
+        </p:spPr>
+        <p:txBody>
+          <a:bodyPr wrap="square" rtlCol="0">
+            <a:spAutoFit/>
+          </a:bodyPr>
+          <a:lstStyle>
+            <a:defPPr>
+              <a:defRPr lang="ko-KR"/>
+            </a:defPPr>
+            <a:lvl1pPr>
+              <a:defRPr sz="2400" b="1">
+                <a:solidFill>
+                  <a:srgbClr val="000000"/>
+                </a:solidFill>
+                <a:latin typeface="맑은 고딕" panose="020B0503020000020004" pitchFamily="50" charset="-127"/>
+                <a:ea typeface="맑은 고딕" panose="020B0503020000020004" pitchFamily="50" charset="-127"/>
+              </a:defRPr>
+            </a:lvl1pPr>
+          </a:lstStyle>
+          <a:p>
+            <a:r>
+              <a:rPr lang="en-US" altLang="ko-KR" dirty="0"/>
+              <a:t>Proxy </a:t>
+            </a:r>
+            <a:r>
+              <a:rPr lang="ko-KR" altLang="en-US" dirty="0" smtClean="0"/>
+              <a:t>패턴 사용 예</a:t>
+            </a:r>
+            <a:endParaRPr lang="ko-KR" altLang="en-US" dirty="0"/>
+          </a:p>
+        </p:txBody>
+      </p:sp>
+      <p:sp>
+        <p:nvSpPr>
+          <p:cNvPr id="2" name="TextBox 1"/>
+          <p:cNvSpPr txBox="1"/>
+          <p:nvPr/>
+        </p:nvSpPr>
+        <p:spPr>
+          <a:xfrm>
+            <a:off x="611560" y="1196752"/>
+            <a:ext cx="7848872" cy="1754326"/>
+          </a:xfrm>
+          <a:prstGeom prst="rect">
+            <a:avLst/>
+          </a:prstGeom>
+          <a:noFill/>
+        </p:spPr>
+        <p:txBody>
+          <a:bodyPr wrap="square" rtlCol="0">
+            <a:spAutoFit/>
+          </a:bodyPr>
+          <a:lstStyle/>
+          <a:p>
+            <a:pPr marL="285750" indent="-285750">
+              <a:lnSpc>
+                <a:spcPct val="150000"/>
+              </a:lnSpc>
+              <a:buFont typeface="Arial" panose="020B0604020202020204" pitchFamily="34" charset="0"/>
+              <a:buChar char="•"/>
+            </a:pPr>
+            <a:r>
+              <a:rPr lang="en-US" altLang="ko-KR" dirty="0" err="1" smtClean="0"/>
+              <a:t>java.lang.reflect.Proxy</a:t>
+            </a:r>
+            <a:endParaRPr lang="en-US" altLang="ko-KR" dirty="0" smtClean="0"/>
+          </a:p>
+          <a:p>
+            <a:pPr marL="742950" lvl="1" indent="-285750">
+              <a:lnSpc>
+                <a:spcPct val="150000"/>
+              </a:lnSpc>
+              <a:buFont typeface="Arial" panose="020B0604020202020204" pitchFamily="34" charset="0"/>
+              <a:buChar char="•"/>
+            </a:pPr>
+            <a:r>
+              <a:rPr lang="ko-KR" altLang="en-US" dirty="0" smtClean="0"/>
+              <a:t>다음에 좀 더 파보기 </a:t>
+            </a:r>
+            <a:r>
+              <a:rPr lang="en-US" altLang="ko-KR" dirty="0"/>
+              <a:t>(</a:t>
+            </a:r>
+            <a:r>
+              <a:rPr lang="en-US" altLang="ko-KR" dirty="0">
+                <a:hlinkClick r:id="rId2"/>
+              </a:rPr>
+              <a:t>http://</a:t>
+            </a:r>
+            <a:r>
+              <a:rPr lang="en-US" altLang="ko-KR" dirty="0" smtClean="0">
+                <a:hlinkClick r:id="rId2"/>
+              </a:rPr>
+              <a:t>pungjoo.tistory.com/17</a:t>
+            </a:r>
+            <a:r>
+              <a:rPr lang="en-US" altLang="ko-KR" dirty="0" smtClean="0"/>
+              <a:t>)</a:t>
+            </a:r>
+            <a:endParaRPr lang="en-US" altLang="ko-KR" dirty="0"/>
+          </a:p>
+          <a:p>
+            <a:pPr marL="285750" indent="-285750">
+              <a:lnSpc>
+                <a:spcPct val="150000"/>
+              </a:lnSpc>
+              <a:buFont typeface="Arial" panose="020B0604020202020204" pitchFamily="34" charset="0"/>
+              <a:buChar char="•"/>
+            </a:pPr>
+            <a:r>
+              <a:rPr lang="en-US" altLang="ko-KR" dirty="0" smtClean="0"/>
+              <a:t>Java.rmi.*</a:t>
+            </a:r>
+          </a:p>
+          <a:p>
+            <a:pPr marL="285750" indent="-285750">
+              <a:lnSpc>
+                <a:spcPct val="150000"/>
+              </a:lnSpc>
+              <a:buFont typeface="Arial" panose="020B0604020202020204" pitchFamily="34" charset="0"/>
+              <a:buChar char="•"/>
+            </a:pPr>
+            <a:endParaRPr lang="en-US" altLang="ko-KR" dirty="0" smtClean="0"/>
+          </a:p>
+        </p:txBody>
+      </p:sp>
+    </p:spTree>
+    <p:extLst>
+      <p:ext uri="{BB962C8B-B14F-4D97-AF65-F5344CB8AC3E}">
+        <p14:creationId xmlns:p14="http://schemas.microsoft.com/office/powerpoint/2010/main" val="2587300297"/>
+      </p:ext>
+    </p:extLst>
+  </p:cSld>
+  <p:clrMapOvr>
+    <a:masterClrMapping/>
+  </p:clrMapOvr>
+  <p:timing>
+    <p:tnLst>
+      <p:par>
+        <p:cTn id="1" dur="indefinite" restart="never" nodeType="tmRoot"/>
+      </p:par>
+    </p:tnLst>
+  </p:timing>
+</p:sld>
+</file>
+
+<file path=ppt/slides/slide9.xml><?xml version="1.0" encoding="utf-8"?>
 <p:sld xmlns:a="http://schemas.openxmlformats.org/drawingml/2006/main" xmlns:r="http://schemas.openxmlformats.org/officeDocument/2006/relationships" xmlns:p="http://schemas.openxmlformats.org/presentationml/2006/main">
   <p:cSld>
     <p:spTree>
